--- a/web安全 .pptx
+++ b/web安全 .pptx
@@ -200,7 +200,7 @@
             <a:fld id="{C8D8386C-6C09-4881-85CC-8C01E71FD991}" type="datetimeFigureOut">
               <a:rPr lang="zh-CN" altLang="en-US" smtClean="0"/>
               <a:pPr/>
-              <a:t>2018/12/13</a:t>
+              <a:t>2018/12/14</a:t>
             </a:fld>
             <a:endParaRPr lang="zh-CN" altLang="en-US"/>
           </a:p>
@@ -689,6 +689,10 @@
           <a:bodyPr/>
           <a:lstStyle/>
           <a:p>
+            <a:r>
+              <a:rPr lang="zh-CN" altLang="en-US" dirty="0" smtClean="0"/>
+              <a:t>讲解转义</a:t>
+            </a:r>
             <a:endParaRPr lang="zh-CN" altLang="en-US" dirty="0"/>
           </a:p>
         </p:txBody>
@@ -863,6 +867,10 @@
           <a:bodyPr/>
           <a:lstStyle/>
           <a:p>
+            <a:r>
+              <a:rPr lang="zh-CN" altLang="en-US" dirty="0" smtClean="0"/>
+              <a:t>画图讲解</a:t>
+            </a:r>
             <a:endParaRPr lang="zh-CN" altLang="en-US" dirty="0"/>
           </a:p>
         </p:txBody>
@@ -1163,7 +1171,7 @@
             <a:fld id="{530820CF-B880-4189-942D-D702A7CBA730}" type="datetimeFigureOut">
               <a:rPr lang="zh-CN" altLang="en-US" smtClean="0"/>
               <a:pPr/>
-              <a:t>2018/12/13</a:t>
+              <a:t>2018/12/14</a:t>
             </a:fld>
             <a:endParaRPr lang="zh-CN" altLang="en-US"/>
           </a:p>
@@ -1353,7 +1361,7 @@
   </p:clrMapOvr>
   <p:extLst mod="1">
     <p:ext uri="{DCECCB84-F9BA-43D5-87BE-67443E8EF086}">
-      <p15:sldGuideLst xmlns:p15="http://schemas.microsoft.com/office/powerpoint/2012/main" xmlns=""/>
+      <p15:sldGuideLst xmlns="" xmlns:p15="http://schemas.microsoft.com/office/powerpoint/2012/main"/>
     </p:ext>
   </p:extLst>
 </p:sldLayout>
@@ -1556,7 +1564,7 @@
             <a:fld id="{530820CF-B880-4189-942D-D702A7CBA730}" type="datetimeFigureOut">
               <a:rPr lang="zh-CN" altLang="en-US" smtClean="0"/>
               <a:pPr/>
-              <a:t>2018/12/13</a:t>
+              <a:t>2018/12/14</a:t>
             </a:fld>
             <a:endParaRPr lang="zh-CN" altLang="en-US"/>
           </a:p>
@@ -1706,7 +1714,7 @@
             <a:fld id="{530820CF-B880-4189-942D-D702A7CBA730}" type="datetimeFigureOut">
               <a:rPr lang="zh-CN" altLang="en-US" smtClean="0"/>
               <a:pPr/>
-              <a:t>2018/12/13</a:t>
+              <a:t>2018/12/14</a:t>
             </a:fld>
             <a:endParaRPr lang="zh-CN" altLang="en-US"/>
           </a:p>
@@ -1866,7 +1874,7 @@
             <a:fld id="{530820CF-B880-4189-942D-D702A7CBA730}" type="datetimeFigureOut">
               <a:rPr lang="zh-CN" altLang="en-US" smtClean="0"/>
               <a:pPr/>
-              <a:t>2018/12/13</a:t>
+              <a:t>2018/12/14</a:t>
             </a:fld>
             <a:endParaRPr lang="zh-CN" altLang="en-US"/>
           </a:p>
@@ -1991,7 +1999,7 @@
             <a:fld id="{530820CF-B880-4189-942D-D702A7CBA730}" type="datetimeFigureOut">
               <a:rPr lang="zh-CN" altLang="en-US" smtClean="0"/>
               <a:pPr/>
-              <a:t>2018/12/13</a:t>
+              <a:t>2018/12/14</a:t>
             </a:fld>
             <a:endParaRPr lang="zh-CN" altLang="en-US"/>
           </a:p>
@@ -2196,7 +2204,7 @@
             <a:fld id="{530820CF-B880-4189-942D-D702A7CBA730}" type="datetimeFigureOut">
               <a:rPr lang="zh-CN" altLang="en-US" smtClean="0"/>
               <a:pPr/>
-              <a:t>2018/12/13</a:t>
+              <a:t>2018/12/14</a:t>
             </a:fld>
             <a:endParaRPr lang="zh-CN" altLang="en-US"/>
           </a:p>
@@ -2459,7 +2467,7 @@
             <a:fld id="{530820CF-B880-4189-942D-D702A7CBA730}" type="datetimeFigureOut">
               <a:rPr lang="zh-CN" altLang="en-US" smtClean="0"/>
               <a:pPr/>
-              <a:t>2018/12/13</a:t>
+              <a:t>2018/12/14</a:t>
             </a:fld>
             <a:endParaRPr lang="zh-CN" altLang="en-US"/>
           </a:p>
@@ -2520,7 +2528,7 @@
   </p:clrMapOvr>
   <p:extLst mod="1">
     <p:ext uri="{DCECCB84-F9BA-43D5-87BE-67443E8EF086}">
-      <p15:sldGuideLst xmlns:p15="http://schemas.microsoft.com/office/powerpoint/2012/main" xmlns=""/>
+      <p15:sldGuideLst xmlns="" xmlns:p15="http://schemas.microsoft.com/office/powerpoint/2012/main"/>
     </p:ext>
   </p:extLst>
 </p:sldLayout>
@@ -2730,7 +2738,7 @@
             <a:fld id="{530820CF-B880-4189-942D-D702A7CBA730}" type="datetimeFigureOut">
               <a:rPr lang="zh-CN" altLang="en-US" smtClean="0"/>
               <a:pPr/>
-              <a:t>2018/12/13</a:t>
+              <a:t>2018/12/14</a:t>
             </a:fld>
             <a:endParaRPr lang="zh-CN" altLang="en-US"/>
           </a:p>
@@ -2960,7 +2968,7 @@
             <a:fld id="{530820CF-B880-4189-942D-D702A7CBA730}" type="datetimeFigureOut">
               <a:rPr lang="zh-CN" altLang="en-US" smtClean="0"/>
               <a:pPr/>
-              <a:t>2018/12/13</a:t>
+              <a:t>2018/12/14</a:t>
             </a:fld>
             <a:endParaRPr lang="zh-CN" altLang="en-US"/>
           </a:p>
@@ -3289,7 +3297,7 @@
             <a:fld id="{530820CF-B880-4189-942D-D702A7CBA730}" type="datetimeFigureOut">
               <a:rPr lang="zh-CN" altLang="en-US" smtClean="0"/>
               <a:pPr/>
-              <a:t>2018/12/13</a:t>
+              <a:t>2018/12/14</a:t>
             </a:fld>
             <a:endParaRPr lang="zh-CN" altLang="en-US"/>
           </a:p>
@@ -3409,7 +3417,7 @@
             <a:fld id="{530820CF-B880-4189-942D-D702A7CBA730}" type="datetimeFigureOut">
               <a:rPr lang="zh-CN" altLang="en-US" smtClean="0"/>
               <a:pPr/>
-              <a:t>2018/12/13</a:t>
+              <a:t>2018/12/14</a:t>
             </a:fld>
             <a:endParaRPr lang="zh-CN" altLang="en-US"/>
           </a:p>
@@ -3568,7 +3576,7 @@
             <a:fld id="{530820CF-B880-4189-942D-D702A7CBA730}" type="datetimeFigureOut">
               <a:rPr lang="zh-CN" altLang="en-US" smtClean="0"/>
               <a:pPr/>
-              <a:t>2018/12/13</a:t>
+              <a:t>2018/12/14</a:t>
             </a:fld>
             <a:endParaRPr lang="zh-CN" altLang="en-US"/>
           </a:p>
@@ -3827,7 +3835,7 @@
             <a:fld id="{530820CF-B880-4189-942D-D702A7CBA730}" type="datetimeFigureOut">
               <a:rPr lang="zh-CN" altLang="en-US" smtClean="0"/>
               <a:pPr/>
-              <a:t>2018/12/13</a:t>
+              <a:t>2018/12/14</a:t>
             </a:fld>
             <a:endParaRPr lang="zh-CN" altLang="en-US"/>
           </a:p>
@@ -4042,7 +4050,7 @@
             <a:fld id="{530820CF-B880-4189-942D-D702A7CBA730}" type="datetimeFigureOut">
               <a:rPr lang="zh-CN" altLang="en-US" smtClean="0"/>
               <a:pPr/>
-              <a:t>2018/12/13</a:t>
+              <a:t>2018/12/14</a:t>
             </a:fld>
             <a:endParaRPr lang="zh-CN" altLang="en-US"/>
           </a:p>
@@ -4608,7 +4616,7 @@
   </p:txStyles>
   <p:extLst mod="1">
     <p:ext uri="{27BBF7A9-308A-43DC-89C8-2F10F3537804}">
-      <p15:sldGuideLst xmlns:p15="http://schemas.microsoft.com/office/powerpoint/2012/main" xmlns=""/>
+      <p15:sldGuideLst xmlns="" xmlns:p15="http://schemas.microsoft.com/office/powerpoint/2012/main"/>
     </p:ext>
   </p:extLst>
 </p:sldMaster>
@@ -4658,15 +4666,6 @@
               </a:rPr>
               <a:t>蔡慧芨</a:t>
             </a:r>
-            <a:endParaRPr lang="zh-CN" altLang="en-US" sz="2000" dirty="0" smtClean="0">
-              <a:solidFill>
-                <a:schemeClr val="tx1">
-                  <a:lumMod val="50000"/>
-                </a:schemeClr>
-              </a:solidFill>
-              <a:latin typeface="幼圆" pitchFamily="49" charset="-122"/>
-              <a:ea typeface="幼圆" pitchFamily="49" charset="-122"/>
-            </a:endParaRPr>
           </a:p>
         </p:txBody>
       </p:sp>
@@ -5224,19 +5223,7 @@
                 <a:latin typeface="幼圆" pitchFamily="49" charset="-122"/>
                 <a:ea typeface="幼圆" pitchFamily="49" charset="-122"/>
               </a:rPr>
-              <a:t>hijack</a:t>
-            </a:r>
-            <a:r>
-              <a:rPr lang="en-US" altLang="zh-CN" sz="2400" dirty="0" smtClean="0">
-                <a:solidFill>
-                  <a:schemeClr val="tx1">
-                    <a:lumMod val="50000"/>
-                  </a:schemeClr>
-                </a:solidFill>
-                <a:latin typeface="幼圆" pitchFamily="49" charset="-122"/>
-                <a:ea typeface="幼圆" pitchFamily="49" charset="-122"/>
-              </a:rPr>
-              <a:t> – </a:t>
+              <a:t>hijack – </a:t>
             </a:r>
             <a:r>
               <a:rPr lang="zh-CN" altLang="en-US" sz="2400" dirty="0" smtClean="0">
@@ -5389,15 +5376,6 @@
               </a:rPr>
               <a:t>)</a:t>
             </a:r>
-            <a:endParaRPr lang="en-US" altLang="zh-CN" sz="2400" dirty="0" smtClean="0">
-              <a:solidFill>
-                <a:schemeClr val="tx1">
-                  <a:lumMod val="50000"/>
-                </a:schemeClr>
-              </a:solidFill>
-              <a:latin typeface="幼圆" pitchFamily="49" charset="-122"/>
-              <a:ea typeface="幼圆" pitchFamily="49" charset="-122"/>
-            </a:endParaRPr>
           </a:p>
           <a:p>
             <a:pPr lvl="0">
@@ -6014,7 +5992,576 @@
   <p:timing>
     <p:tnLst>
       <p:par>
-        <p:cTn id="1" dur="indefinite" restart="never" nodeType="tmRoot"/>
+        <p:cTn id="1" dur="indefinite" restart="never" nodeType="tmRoot">
+          <p:childTnLst>
+            <p:seq concurrent="1" nextAc="seek">
+              <p:cTn id="2" dur="indefinite" nodeType="mainSeq">
+                <p:childTnLst>
+                  <p:par>
+                    <p:cTn id="3" fill="hold">
+                      <p:stCondLst>
+                        <p:cond delay="indefinite"/>
+                      </p:stCondLst>
+                      <p:childTnLst>
+                        <p:par>
+                          <p:cTn id="4" fill="hold">
+                            <p:stCondLst>
+                              <p:cond delay="0"/>
+                            </p:stCondLst>
+                            <p:childTnLst>
+                              <p:par>
+                                <p:cTn id="5" presetID="2" presetClass="entr" presetSubtype="4" fill="hold" nodeType="clickEffect">
+                                  <p:stCondLst>
+                                    <p:cond delay="0"/>
+                                  </p:stCondLst>
+                                  <p:childTnLst>
+                                    <p:set>
+                                      <p:cBhvr>
+                                        <p:cTn id="6" dur="1" fill="hold">
+                                          <p:stCondLst>
+                                            <p:cond delay="0"/>
+                                          </p:stCondLst>
+                                        </p:cTn>
+                                        <p:tgtEl>
+                                          <p:spTgt spid="3">
+                                            <p:txEl>
+                                              <p:pRg st="2" end="2"/>
+                                            </p:txEl>
+                                          </p:spTgt>
+                                        </p:tgtEl>
+                                        <p:attrNameLst>
+                                          <p:attrName>style.visibility</p:attrName>
+                                        </p:attrNameLst>
+                                      </p:cBhvr>
+                                      <p:to>
+                                        <p:strVal val="visible"/>
+                                      </p:to>
+                                    </p:set>
+                                    <p:anim calcmode="lin" valueType="num">
+                                      <p:cBhvr additive="base">
+                                        <p:cTn id="7" dur="500" fill="hold"/>
+                                        <p:tgtEl>
+                                          <p:spTgt spid="3">
+                                            <p:txEl>
+                                              <p:pRg st="2" end="2"/>
+                                            </p:txEl>
+                                          </p:spTgt>
+                                        </p:tgtEl>
+                                        <p:attrNameLst>
+                                          <p:attrName>ppt_x</p:attrName>
+                                        </p:attrNameLst>
+                                      </p:cBhvr>
+                                      <p:tavLst>
+                                        <p:tav tm="0">
+                                          <p:val>
+                                            <p:strVal val="#ppt_x"/>
+                                          </p:val>
+                                        </p:tav>
+                                        <p:tav tm="100000">
+                                          <p:val>
+                                            <p:strVal val="#ppt_x"/>
+                                          </p:val>
+                                        </p:tav>
+                                      </p:tavLst>
+                                    </p:anim>
+                                    <p:anim calcmode="lin" valueType="num">
+                                      <p:cBhvr additive="base">
+                                        <p:cTn id="8" dur="500" fill="hold"/>
+                                        <p:tgtEl>
+                                          <p:spTgt spid="3">
+                                            <p:txEl>
+                                              <p:pRg st="2" end="2"/>
+                                            </p:txEl>
+                                          </p:spTgt>
+                                        </p:tgtEl>
+                                        <p:attrNameLst>
+                                          <p:attrName>ppt_y</p:attrName>
+                                        </p:attrNameLst>
+                                      </p:cBhvr>
+                                      <p:tavLst>
+                                        <p:tav tm="0">
+                                          <p:val>
+                                            <p:strVal val="1+#ppt_h/2"/>
+                                          </p:val>
+                                        </p:tav>
+                                        <p:tav tm="100000">
+                                          <p:val>
+                                            <p:strVal val="#ppt_y"/>
+                                          </p:val>
+                                        </p:tav>
+                                      </p:tavLst>
+                                    </p:anim>
+                                  </p:childTnLst>
+                                </p:cTn>
+                              </p:par>
+                              <p:par>
+                                <p:cTn id="9" presetID="2" presetClass="entr" presetSubtype="4" fill="hold" nodeType="withEffect">
+                                  <p:stCondLst>
+                                    <p:cond delay="0"/>
+                                  </p:stCondLst>
+                                  <p:childTnLst>
+                                    <p:set>
+                                      <p:cBhvr>
+                                        <p:cTn id="10" dur="1" fill="hold">
+                                          <p:stCondLst>
+                                            <p:cond delay="0"/>
+                                          </p:stCondLst>
+                                        </p:cTn>
+                                        <p:tgtEl>
+                                          <p:spTgt spid="3">
+                                            <p:txEl>
+                                              <p:pRg st="3" end="3"/>
+                                            </p:txEl>
+                                          </p:spTgt>
+                                        </p:tgtEl>
+                                        <p:attrNameLst>
+                                          <p:attrName>style.visibility</p:attrName>
+                                        </p:attrNameLst>
+                                      </p:cBhvr>
+                                      <p:to>
+                                        <p:strVal val="visible"/>
+                                      </p:to>
+                                    </p:set>
+                                    <p:anim calcmode="lin" valueType="num">
+                                      <p:cBhvr additive="base">
+                                        <p:cTn id="11" dur="500" fill="hold"/>
+                                        <p:tgtEl>
+                                          <p:spTgt spid="3">
+                                            <p:txEl>
+                                              <p:pRg st="3" end="3"/>
+                                            </p:txEl>
+                                          </p:spTgt>
+                                        </p:tgtEl>
+                                        <p:attrNameLst>
+                                          <p:attrName>ppt_x</p:attrName>
+                                        </p:attrNameLst>
+                                      </p:cBhvr>
+                                      <p:tavLst>
+                                        <p:tav tm="0">
+                                          <p:val>
+                                            <p:strVal val="#ppt_x"/>
+                                          </p:val>
+                                        </p:tav>
+                                        <p:tav tm="100000">
+                                          <p:val>
+                                            <p:strVal val="#ppt_x"/>
+                                          </p:val>
+                                        </p:tav>
+                                      </p:tavLst>
+                                    </p:anim>
+                                    <p:anim calcmode="lin" valueType="num">
+                                      <p:cBhvr additive="base">
+                                        <p:cTn id="12" dur="500" fill="hold"/>
+                                        <p:tgtEl>
+                                          <p:spTgt spid="3">
+                                            <p:txEl>
+                                              <p:pRg st="3" end="3"/>
+                                            </p:txEl>
+                                          </p:spTgt>
+                                        </p:tgtEl>
+                                        <p:attrNameLst>
+                                          <p:attrName>ppt_y</p:attrName>
+                                        </p:attrNameLst>
+                                      </p:cBhvr>
+                                      <p:tavLst>
+                                        <p:tav tm="0">
+                                          <p:val>
+                                            <p:strVal val="1+#ppt_h/2"/>
+                                          </p:val>
+                                        </p:tav>
+                                        <p:tav tm="100000">
+                                          <p:val>
+                                            <p:strVal val="#ppt_y"/>
+                                          </p:val>
+                                        </p:tav>
+                                      </p:tavLst>
+                                    </p:anim>
+                                  </p:childTnLst>
+                                </p:cTn>
+                              </p:par>
+                              <p:par>
+                                <p:cTn id="13" presetID="2" presetClass="entr" presetSubtype="4" fill="hold" nodeType="withEffect">
+                                  <p:stCondLst>
+                                    <p:cond delay="0"/>
+                                  </p:stCondLst>
+                                  <p:childTnLst>
+                                    <p:set>
+                                      <p:cBhvr>
+                                        <p:cTn id="14" dur="1" fill="hold">
+                                          <p:stCondLst>
+                                            <p:cond delay="0"/>
+                                          </p:stCondLst>
+                                        </p:cTn>
+                                        <p:tgtEl>
+                                          <p:spTgt spid="3">
+                                            <p:txEl>
+                                              <p:pRg st="4" end="4"/>
+                                            </p:txEl>
+                                          </p:spTgt>
+                                        </p:tgtEl>
+                                        <p:attrNameLst>
+                                          <p:attrName>style.visibility</p:attrName>
+                                        </p:attrNameLst>
+                                      </p:cBhvr>
+                                      <p:to>
+                                        <p:strVal val="visible"/>
+                                      </p:to>
+                                    </p:set>
+                                    <p:anim calcmode="lin" valueType="num">
+                                      <p:cBhvr additive="base">
+                                        <p:cTn id="15" dur="500" fill="hold"/>
+                                        <p:tgtEl>
+                                          <p:spTgt spid="3">
+                                            <p:txEl>
+                                              <p:pRg st="4" end="4"/>
+                                            </p:txEl>
+                                          </p:spTgt>
+                                        </p:tgtEl>
+                                        <p:attrNameLst>
+                                          <p:attrName>ppt_x</p:attrName>
+                                        </p:attrNameLst>
+                                      </p:cBhvr>
+                                      <p:tavLst>
+                                        <p:tav tm="0">
+                                          <p:val>
+                                            <p:strVal val="#ppt_x"/>
+                                          </p:val>
+                                        </p:tav>
+                                        <p:tav tm="100000">
+                                          <p:val>
+                                            <p:strVal val="#ppt_x"/>
+                                          </p:val>
+                                        </p:tav>
+                                      </p:tavLst>
+                                    </p:anim>
+                                    <p:anim calcmode="lin" valueType="num">
+                                      <p:cBhvr additive="base">
+                                        <p:cTn id="16" dur="500" fill="hold"/>
+                                        <p:tgtEl>
+                                          <p:spTgt spid="3">
+                                            <p:txEl>
+                                              <p:pRg st="4" end="4"/>
+                                            </p:txEl>
+                                          </p:spTgt>
+                                        </p:tgtEl>
+                                        <p:attrNameLst>
+                                          <p:attrName>ppt_y</p:attrName>
+                                        </p:attrNameLst>
+                                      </p:cBhvr>
+                                      <p:tavLst>
+                                        <p:tav tm="0">
+                                          <p:val>
+                                            <p:strVal val="1+#ppt_h/2"/>
+                                          </p:val>
+                                        </p:tav>
+                                        <p:tav tm="100000">
+                                          <p:val>
+                                            <p:strVal val="#ppt_y"/>
+                                          </p:val>
+                                        </p:tav>
+                                      </p:tavLst>
+                                    </p:anim>
+                                  </p:childTnLst>
+                                </p:cTn>
+                              </p:par>
+                            </p:childTnLst>
+                          </p:cTn>
+                        </p:par>
+                      </p:childTnLst>
+                    </p:cTn>
+                  </p:par>
+                  <p:par>
+                    <p:cTn id="17" fill="hold">
+                      <p:stCondLst>
+                        <p:cond delay="indefinite"/>
+                      </p:stCondLst>
+                      <p:childTnLst>
+                        <p:par>
+                          <p:cTn id="18" fill="hold">
+                            <p:stCondLst>
+                              <p:cond delay="0"/>
+                            </p:stCondLst>
+                            <p:childTnLst>
+                              <p:par>
+                                <p:cTn id="19" presetID="2" presetClass="entr" presetSubtype="4" fill="hold" nodeType="clickEffect">
+                                  <p:stCondLst>
+                                    <p:cond delay="0"/>
+                                  </p:stCondLst>
+                                  <p:childTnLst>
+                                    <p:set>
+                                      <p:cBhvr>
+                                        <p:cTn id="20" dur="1" fill="hold">
+                                          <p:stCondLst>
+                                            <p:cond delay="0"/>
+                                          </p:stCondLst>
+                                        </p:cTn>
+                                        <p:tgtEl>
+                                          <p:spTgt spid="3">
+                                            <p:txEl>
+                                              <p:pRg st="6" end="6"/>
+                                            </p:txEl>
+                                          </p:spTgt>
+                                        </p:tgtEl>
+                                        <p:attrNameLst>
+                                          <p:attrName>style.visibility</p:attrName>
+                                        </p:attrNameLst>
+                                      </p:cBhvr>
+                                      <p:to>
+                                        <p:strVal val="visible"/>
+                                      </p:to>
+                                    </p:set>
+                                    <p:anim calcmode="lin" valueType="num">
+                                      <p:cBhvr additive="base">
+                                        <p:cTn id="21" dur="500" fill="hold"/>
+                                        <p:tgtEl>
+                                          <p:spTgt spid="3">
+                                            <p:txEl>
+                                              <p:pRg st="6" end="6"/>
+                                            </p:txEl>
+                                          </p:spTgt>
+                                        </p:tgtEl>
+                                        <p:attrNameLst>
+                                          <p:attrName>ppt_x</p:attrName>
+                                        </p:attrNameLst>
+                                      </p:cBhvr>
+                                      <p:tavLst>
+                                        <p:tav tm="0">
+                                          <p:val>
+                                            <p:strVal val="#ppt_x"/>
+                                          </p:val>
+                                        </p:tav>
+                                        <p:tav tm="100000">
+                                          <p:val>
+                                            <p:strVal val="#ppt_x"/>
+                                          </p:val>
+                                        </p:tav>
+                                      </p:tavLst>
+                                    </p:anim>
+                                    <p:anim calcmode="lin" valueType="num">
+                                      <p:cBhvr additive="base">
+                                        <p:cTn id="22" dur="500" fill="hold"/>
+                                        <p:tgtEl>
+                                          <p:spTgt spid="3">
+                                            <p:txEl>
+                                              <p:pRg st="6" end="6"/>
+                                            </p:txEl>
+                                          </p:spTgt>
+                                        </p:tgtEl>
+                                        <p:attrNameLst>
+                                          <p:attrName>ppt_y</p:attrName>
+                                        </p:attrNameLst>
+                                      </p:cBhvr>
+                                      <p:tavLst>
+                                        <p:tav tm="0">
+                                          <p:val>
+                                            <p:strVal val="1+#ppt_h/2"/>
+                                          </p:val>
+                                        </p:tav>
+                                        <p:tav tm="100000">
+                                          <p:val>
+                                            <p:strVal val="#ppt_y"/>
+                                          </p:val>
+                                        </p:tav>
+                                      </p:tavLst>
+                                    </p:anim>
+                                  </p:childTnLst>
+                                </p:cTn>
+                              </p:par>
+                              <p:par>
+                                <p:cTn id="23" presetID="2" presetClass="entr" presetSubtype="4" fill="hold" nodeType="withEffect">
+                                  <p:stCondLst>
+                                    <p:cond delay="0"/>
+                                  </p:stCondLst>
+                                  <p:childTnLst>
+                                    <p:set>
+                                      <p:cBhvr>
+                                        <p:cTn id="24" dur="1" fill="hold">
+                                          <p:stCondLst>
+                                            <p:cond delay="0"/>
+                                          </p:stCondLst>
+                                        </p:cTn>
+                                        <p:tgtEl>
+                                          <p:spTgt spid="3">
+                                            <p:txEl>
+                                              <p:pRg st="7" end="7"/>
+                                            </p:txEl>
+                                          </p:spTgt>
+                                        </p:tgtEl>
+                                        <p:attrNameLst>
+                                          <p:attrName>style.visibility</p:attrName>
+                                        </p:attrNameLst>
+                                      </p:cBhvr>
+                                      <p:to>
+                                        <p:strVal val="visible"/>
+                                      </p:to>
+                                    </p:set>
+                                    <p:anim calcmode="lin" valueType="num">
+                                      <p:cBhvr additive="base">
+                                        <p:cTn id="25" dur="500" fill="hold"/>
+                                        <p:tgtEl>
+                                          <p:spTgt spid="3">
+                                            <p:txEl>
+                                              <p:pRg st="7" end="7"/>
+                                            </p:txEl>
+                                          </p:spTgt>
+                                        </p:tgtEl>
+                                        <p:attrNameLst>
+                                          <p:attrName>ppt_x</p:attrName>
+                                        </p:attrNameLst>
+                                      </p:cBhvr>
+                                      <p:tavLst>
+                                        <p:tav tm="0">
+                                          <p:val>
+                                            <p:strVal val="#ppt_x"/>
+                                          </p:val>
+                                        </p:tav>
+                                        <p:tav tm="100000">
+                                          <p:val>
+                                            <p:strVal val="#ppt_x"/>
+                                          </p:val>
+                                        </p:tav>
+                                      </p:tavLst>
+                                    </p:anim>
+                                    <p:anim calcmode="lin" valueType="num">
+                                      <p:cBhvr additive="base">
+                                        <p:cTn id="26" dur="500" fill="hold"/>
+                                        <p:tgtEl>
+                                          <p:spTgt spid="3">
+                                            <p:txEl>
+                                              <p:pRg st="7" end="7"/>
+                                            </p:txEl>
+                                          </p:spTgt>
+                                        </p:tgtEl>
+                                        <p:attrNameLst>
+                                          <p:attrName>ppt_y</p:attrName>
+                                        </p:attrNameLst>
+                                      </p:cBhvr>
+                                      <p:tavLst>
+                                        <p:tav tm="0">
+                                          <p:val>
+                                            <p:strVal val="1+#ppt_h/2"/>
+                                          </p:val>
+                                        </p:tav>
+                                        <p:tav tm="100000">
+                                          <p:val>
+                                            <p:strVal val="#ppt_y"/>
+                                          </p:val>
+                                        </p:tav>
+                                      </p:tavLst>
+                                    </p:anim>
+                                  </p:childTnLst>
+                                </p:cTn>
+                              </p:par>
+                              <p:par>
+                                <p:cTn id="27" presetID="2" presetClass="entr" presetSubtype="4" fill="hold" nodeType="withEffect">
+                                  <p:stCondLst>
+                                    <p:cond delay="0"/>
+                                  </p:stCondLst>
+                                  <p:childTnLst>
+                                    <p:set>
+                                      <p:cBhvr>
+                                        <p:cTn id="28" dur="1" fill="hold">
+                                          <p:stCondLst>
+                                            <p:cond delay="0"/>
+                                          </p:stCondLst>
+                                        </p:cTn>
+                                        <p:tgtEl>
+                                          <p:spTgt spid="3">
+                                            <p:txEl>
+                                              <p:pRg st="8" end="8"/>
+                                            </p:txEl>
+                                          </p:spTgt>
+                                        </p:tgtEl>
+                                        <p:attrNameLst>
+                                          <p:attrName>style.visibility</p:attrName>
+                                        </p:attrNameLst>
+                                      </p:cBhvr>
+                                      <p:to>
+                                        <p:strVal val="visible"/>
+                                      </p:to>
+                                    </p:set>
+                                    <p:anim calcmode="lin" valueType="num">
+                                      <p:cBhvr additive="base">
+                                        <p:cTn id="29" dur="500" fill="hold"/>
+                                        <p:tgtEl>
+                                          <p:spTgt spid="3">
+                                            <p:txEl>
+                                              <p:pRg st="8" end="8"/>
+                                            </p:txEl>
+                                          </p:spTgt>
+                                        </p:tgtEl>
+                                        <p:attrNameLst>
+                                          <p:attrName>ppt_x</p:attrName>
+                                        </p:attrNameLst>
+                                      </p:cBhvr>
+                                      <p:tavLst>
+                                        <p:tav tm="0">
+                                          <p:val>
+                                            <p:strVal val="#ppt_x"/>
+                                          </p:val>
+                                        </p:tav>
+                                        <p:tav tm="100000">
+                                          <p:val>
+                                            <p:strVal val="#ppt_x"/>
+                                          </p:val>
+                                        </p:tav>
+                                      </p:tavLst>
+                                    </p:anim>
+                                    <p:anim calcmode="lin" valueType="num">
+                                      <p:cBhvr additive="base">
+                                        <p:cTn id="30" dur="500" fill="hold"/>
+                                        <p:tgtEl>
+                                          <p:spTgt spid="3">
+                                            <p:txEl>
+                                              <p:pRg st="8" end="8"/>
+                                            </p:txEl>
+                                          </p:spTgt>
+                                        </p:tgtEl>
+                                        <p:attrNameLst>
+                                          <p:attrName>ppt_y</p:attrName>
+                                        </p:attrNameLst>
+                                      </p:cBhvr>
+                                      <p:tavLst>
+                                        <p:tav tm="0">
+                                          <p:val>
+                                            <p:strVal val="1+#ppt_h/2"/>
+                                          </p:val>
+                                        </p:tav>
+                                        <p:tav tm="100000">
+                                          <p:val>
+                                            <p:strVal val="#ppt_y"/>
+                                          </p:val>
+                                        </p:tav>
+                                      </p:tavLst>
+                                    </p:anim>
+                                  </p:childTnLst>
+                                </p:cTn>
+                              </p:par>
+                            </p:childTnLst>
+                          </p:cTn>
+                        </p:par>
+                      </p:childTnLst>
+                    </p:cTn>
+                  </p:par>
+                </p:childTnLst>
+              </p:cTn>
+              <p:prevCondLst>
+                <p:cond evt="onPrev" delay="0">
+                  <p:tgtEl>
+                    <p:sldTgt/>
+                  </p:tgtEl>
+                </p:cond>
+              </p:prevCondLst>
+              <p:nextCondLst>
+                <p:cond evt="onNext" delay="0">
+                  <p:tgtEl>
+                    <p:sldTgt/>
+                  </p:tgtEl>
+                </p:cond>
+              </p:nextCondLst>
+            </p:seq>
+          </p:childTnLst>
+        </p:cTn>
       </p:par>
     </p:tnLst>
   </p:timing>
@@ -6205,6 +6752,25 @@
                 </a:solidFill>
               </a:defRPr>
             </a:pPr>
+            <a:endParaRPr lang="en-US" altLang="zh-CN" sz="1600" dirty="0" smtClean="0">
+              <a:solidFill>
+                <a:schemeClr val="tx1">
+                  <a:lumMod val="50000"/>
+                </a:schemeClr>
+              </a:solidFill>
+              <a:latin typeface="幼圆" pitchFamily="49" charset="-122"/>
+              <a:ea typeface="幼圆" pitchFamily="49" charset="-122"/>
+            </a:endParaRPr>
+          </a:p>
+          <a:p>
+            <a:pPr marL="85725" lvl="0" indent="0">
+              <a:buNone/>
+              <a:defRPr sz="1800">
+                <a:solidFill>
+                  <a:srgbClr val="000000"/>
+                </a:solidFill>
+              </a:defRPr>
+            </a:pPr>
             <a:r>
               <a:rPr lang="zh-CN" altLang="en-US" sz="1600" b="1" dirty="0" smtClean="0">
                 <a:solidFill>
@@ -6215,7 +6781,19 @@
                 <a:latin typeface="幼圆" pitchFamily="49" charset="-122"/>
                 <a:ea typeface="幼圆" pitchFamily="49" charset="-122"/>
               </a:rPr>
-              <a:t>防范手段：</a:t>
+              <a:t>防范手段</a:t>
+            </a:r>
+            <a:r>
+              <a:rPr lang="zh-CN" altLang="en-US" sz="1600" b="1" dirty="0" smtClean="0">
+                <a:solidFill>
+                  <a:schemeClr val="tx1">
+                    <a:lumMod val="50000"/>
+                  </a:schemeClr>
+                </a:solidFill>
+                <a:latin typeface="幼圆" pitchFamily="49" charset="-122"/>
+                <a:ea typeface="幼圆" pitchFamily="49" charset="-122"/>
+              </a:rPr>
+              <a:t>：</a:t>
             </a:r>
             <a:endParaRPr lang="en-US" altLang="zh-CN" sz="1600" b="1" dirty="0" smtClean="0">
               <a:solidFill>
@@ -6228,7 +6806,7 @@
             </a:endParaRPr>
           </a:p>
           <a:p>
-            <a:pPr marL="85725" lvl="0" indent="0">
+            <a:pPr marL="85725" indent="0">
               <a:buNone/>
               <a:defRPr sz="1800">
                 <a:solidFill>
@@ -6237,29 +6815,62 @@
               </a:defRPr>
             </a:pPr>
             <a:r>
-              <a:rPr lang="zh-CN" altLang="en-US" sz="1600" dirty="0" smtClean="0">
-                <a:solidFill>
-                  <a:schemeClr val="tx1">
-                    <a:lumMod val="50000"/>
-                  </a:schemeClr>
-                </a:solidFill>
-                <a:latin typeface="幼圆" pitchFamily="49" charset="-122"/>
-                <a:ea typeface="幼圆" pitchFamily="49" charset="-122"/>
-              </a:rPr>
-              <a:t>写数据用</a:t>
-            </a:r>
-            <a:r>
-              <a:rPr lang="en-US" altLang="zh-CN" sz="1600" dirty="0" smtClean="0">
-                <a:solidFill>
-                  <a:schemeClr val="tx1">
-                    <a:lumMod val="50000"/>
-                  </a:schemeClr>
-                </a:solidFill>
-                <a:latin typeface="幼圆" pitchFamily="49" charset="-122"/>
-                <a:ea typeface="幼圆" pitchFamily="49" charset="-122"/>
-              </a:rPr>
-              <a:t>post</a:t>
-            </a:r>
+              <a:rPr lang="zh-CN" altLang="en-US" sz="1600" dirty="0">
+                <a:solidFill>
+                  <a:schemeClr val="tx1">
+                    <a:lumMod val="50000"/>
+                  </a:schemeClr>
+                </a:solidFill>
+                <a:latin typeface="幼圆" pitchFamily="49" charset="-122"/>
+                <a:ea typeface="幼圆" pitchFamily="49" charset="-122"/>
+              </a:rPr>
+              <a:t>提交 </a:t>
+            </a:r>
+            <a:r>
+              <a:rPr lang="en-US" altLang="zh-CN" sz="1600" dirty="0">
+                <a:solidFill>
+                  <a:schemeClr val="tx1">
+                    <a:lumMod val="50000"/>
+                  </a:schemeClr>
+                </a:solidFill>
+                <a:latin typeface="幼圆" pitchFamily="49" charset="-122"/>
+                <a:ea typeface="幼圆" pitchFamily="49" charset="-122"/>
+              </a:rPr>
+              <a:t>method=Post  </a:t>
+            </a:r>
+            <a:r>
+              <a:rPr lang="zh-CN" altLang="en-US" sz="1600" dirty="0">
+                <a:solidFill>
+                  <a:schemeClr val="tx1">
+                    <a:lumMod val="50000"/>
+                  </a:schemeClr>
+                </a:solidFill>
+                <a:latin typeface="幼圆" pitchFamily="49" charset="-122"/>
+                <a:ea typeface="幼圆" pitchFamily="49" charset="-122"/>
+              </a:rPr>
+              <a:t>判断</a:t>
+            </a:r>
+            <a:r>
+              <a:rPr lang="en-US" altLang="zh-CN" sz="1600" dirty="0" err="1" smtClean="0">
+                <a:solidFill>
+                  <a:schemeClr val="tx1">
+                    <a:lumMod val="50000"/>
+                  </a:schemeClr>
+                </a:solidFill>
+                <a:latin typeface="幼圆" pitchFamily="49" charset="-122"/>
+                <a:ea typeface="幼圆" pitchFamily="49" charset="-122"/>
+              </a:rPr>
+              <a:t>referer</a:t>
+            </a:r>
+            <a:endParaRPr lang="en-US" altLang="zh-CN" sz="1600" b="1" dirty="0" smtClean="0">
+              <a:solidFill>
+                <a:schemeClr val="tx1">
+                  <a:lumMod val="50000"/>
+                </a:schemeClr>
+              </a:solidFill>
+              <a:latin typeface="幼圆" pitchFamily="49" charset="-122"/>
+              <a:ea typeface="幼圆" pitchFamily="49" charset="-122"/>
+            </a:endParaRPr>
           </a:p>
           <a:p>
             <a:pPr marL="85725" lvl="0" indent="0">
@@ -6280,7 +6891,19 @@
                 <a:latin typeface="幼圆" pitchFamily="49" charset="-122"/>
                 <a:ea typeface="幼圆" pitchFamily="49" charset="-122"/>
               </a:rPr>
-              <a:t>Token(</a:t>
+              <a:t>Token</a:t>
+            </a:r>
+            <a:r>
+              <a:rPr lang="en-US" altLang="zh-CN" sz="1600" dirty="0" smtClean="0">
+                <a:solidFill>
+                  <a:schemeClr val="tx1">
+                    <a:lumMod val="50000"/>
+                  </a:schemeClr>
+                </a:solidFill>
+                <a:latin typeface="幼圆" pitchFamily="49" charset="-122"/>
+                <a:ea typeface="幼圆" pitchFamily="49" charset="-122"/>
+              </a:rPr>
+              <a:t>(</a:t>
             </a:r>
             <a:r>
               <a:rPr lang="zh-CN" altLang="en-US" sz="1600" dirty="0" smtClean="0">
@@ -6305,40 +6928,6 @@
                 <a:ea typeface="幼圆" pitchFamily="49" charset="-122"/>
               </a:rPr>
               <a:t>)</a:t>
-            </a:r>
-          </a:p>
-          <a:p>
-            <a:pPr marL="85725" lvl="0" indent="0">
-              <a:buNone/>
-              <a:defRPr sz="1800">
-                <a:solidFill>
-                  <a:srgbClr val="000000"/>
-                </a:solidFill>
-              </a:defRPr>
-            </a:pPr>
-            <a:r>
-              <a:rPr lang="en-US" altLang="zh-CN" sz="1600" dirty="0" smtClean="0">
-                <a:solidFill>
-                  <a:schemeClr val="tx1">
-                    <a:lumMod val="50000"/>
-                  </a:schemeClr>
-                </a:solidFill>
-                <a:latin typeface="幼圆" pitchFamily="49" charset="-122"/>
-                <a:ea typeface="幼圆" pitchFamily="49" charset="-122"/>
-              </a:rPr>
-              <a:t>Post </a:t>
-            </a:r>
-            <a:r>
-              <a:rPr lang="en-US" altLang="zh-CN" sz="1600" dirty="0" err="1" smtClean="0">
-                <a:solidFill>
-                  <a:schemeClr val="tx1">
-                    <a:lumMod val="50000"/>
-                  </a:schemeClr>
-                </a:solidFill>
-                <a:latin typeface="幼圆" pitchFamily="49" charset="-122"/>
-                <a:ea typeface="幼圆" pitchFamily="49" charset="-122"/>
-              </a:rPr>
-              <a:t>referer</a:t>
             </a:r>
             <a:endParaRPr lang="en-US" altLang="zh-CN" sz="1600" dirty="0" smtClean="0">
               <a:solidFill>
@@ -6365,7 +6954,177 @@
   <p:timing>
     <p:tnLst>
       <p:par>
-        <p:cTn id="1" dur="indefinite" restart="never" nodeType="tmRoot"/>
+        <p:cTn id="1" dur="indefinite" restart="never" nodeType="tmRoot">
+          <p:childTnLst>
+            <p:seq concurrent="1" nextAc="seek">
+              <p:cTn id="2" dur="indefinite" nodeType="mainSeq">
+                <p:childTnLst>
+                  <p:par>
+                    <p:cTn id="3" fill="hold">
+                      <p:stCondLst>
+                        <p:cond delay="indefinite"/>
+                      </p:stCondLst>
+                      <p:childTnLst>
+                        <p:par>
+                          <p:cTn id="4" fill="hold">
+                            <p:stCondLst>
+                              <p:cond delay="0"/>
+                            </p:stCondLst>
+                            <p:childTnLst>
+                              <p:par>
+                                <p:cTn id="5" presetID="22" presetClass="entr" presetSubtype="4" fill="hold" nodeType="clickEffect">
+                                  <p:stCondLst>
+                                    <p:cond delay="0"/>
+                                  </p:stCondLst>
+                                  <p:childTnLst>
+                                    <p:set>
+                                      <p:cBhvr>
+                                        <p:cTn id="6" dur="1" fill="hold">
+                                          <p:stCondLst>
+                                            <p:cond delay="0"/>
+                                          </p:stCondLst>
+                                        </p:cTn>
+                                        <p:tgtEl>
+                                          <p:spTgt spid="3">
+                                            <p:txEl>
+                                              <p:pRg st="3" end="3"/>
+                                            </p:txEl>
+                                          </p:spTgt>
+                                        </p:tgtEl>
+                                        <p:attrNameLst>
+                                          <p:attrName>style.visibility</p:attrName>
+                                        </p:attrNameLst>
+                                      </p:cBhvr>
+                                      <p:to>
+                                        <p:strVal val="visible"/>
+                                      </p:to>
+                                    </p:set>
+                                    <p:animEffect transition="in" filter="wipe(down)">
+                                      <p:cBhvr>
+                                        <p:cTn id="7" dur="500"/>
+                                        <p:tgtEl>
+                                          <p:spTgt spid="3">
+                                            <p:txEl>
+                                              <p:pRg st="3" end="3"/>
+                                            </p:txEl>
+                                          </p:spTgt>
+                                        </p:tgtEl>
+                                      </p:cBhvr>
+                                    </p:animEffect>
+                                  </p:childTnLst>
+                                </p:cTn>
+                              </p:par>
+                              <p:par>
+                                <p:cTn id="8" presetID="22" presetClass="entr" presetSubtype="4" fill="hold" nodeType="withEffect">
+                                  <p:stCondLst>
+                                    <p:cond delay="0"/>
+                                  </p:stCondLst>
+                                  <p:childTnLst>
+                                    <p:set>
+                                      <p:cBhvr>
+                                        <p:cTn id="9" dur="1" fill="hold">
+                                          <p:stCondLst>
+                                            <p:cond delay="0"/>
+                                          </p:stCondLst>
+                                        </p:cTn>
+                                        <p:tgtEl>
+                                          <p:spTgt spid="3">
+                                            <p:txEl>
+                                              <p:pRg st="4" end="4"/>
+                                            </p:txEl>
+                                          </p:spTgt>
+                                        </p:tgtEl>
+                                        <p:attrNameLst>
+                                          <p:attrName>style.visibility</p:attrName>
+                                        </p:attrNameLst>
+                                      </p:cBhvr>
+                                      <p:to>
+                                        <p:strVal val="visible"/>
+                                      </p:to>
+                                    </p:set>
+                                    <p:animEffect transition="in" filter="wipe(down)">
+                                      <p:cBhvr>
+                                        <p:cTn id="10" dur="500"/>
+                                        <p:tgtEl>
+                                          <p:spTgt spid="3">
+                                            <p:txEl>
+                                              <p:pRg st="4" end="4"/>
+                                            </p:txEl>
+                                          </p:spTgt>
+                                        </p:tgtEl>
+                                      </p:cBhvr>
+                                    </p:animEffect>
+                                  </p:childTnLst>
+                                </p:cTn>
+                              </p:par>
+                              <p:par>
+                                <p:cTn id="11" presetID="22" presetClass="entr" presetSubtype="4" fill="hold" nodeType="withEffect">
+                                  <p:stCondLst>
+                                    <p:cond delay="0"/>
+                                  </p:stCondLst>
+                                  <p:childTnLst>
+                                    <p:set>
+                                      <p:cBhvr>
+                                        <p:cTn id="12" dur="1" fill="hold">
+                                          <p:stCondLst>
+                                            <p:cond delay="0"/>
+                                          </p:stCondLst>
+                                        </p:cTn>
+                                        <p:tgtEl>
+                                          <p:spTgt spid="3">
+                                            <p:txEl>
+                                              <p:pRg st="5" end="5"/>
+                                            </p:txEl>
+                                          </p:spTgt>
+                                        </p:tgtEl>
+                                        <p:attrNameLst>
+                                          <p:attrName>style.visibility</p:attrName>
+                                        </p:attrNameLst>
+                                      </p:cBhvr>
+                                      <p:to>
+                                        <p:strVal val="visible"/>
+                                      </p:to>
+                                    </p:set>
+                                    <p:animEffect transition="in" filter="wipe(down)">
+                                      <p:cBhvr>
+                                        <p:cTn id="13" dur="500"/>
+                                        <p:tgtEl>
+                                          <p:spTgt spid="3">
+                                            <p:txEl>
+                                              <p:pRg st="5" end="5"/>
+                                            </p:txEl>
+                                          </p:spTgt>
+                                        </p:tgtEl>
+                                      </p:cBhvr>
+                                    </p:animEffect>
+                                  </p:childTnLst>
+                                </p:cTn>
+                              </p:par>
+                            </p:childTnLst>
+                          </p:cTn>
+                        </p:par>
+                      </p:childTnLst>
+                    </p:cTn>
+                  </p:par>
+                </p:childTnLst>
+              </p:cTn>
+              <p:prevCondLst>
+                <p:cond evt="onPrev" delay="0">
+                  <p:tgtEl>
+                    <p:sldTgt/>
+                  </p:tgtEl>
+                </p:cond>
+              </p:prevCondLst>
+              <p:nextCondLst>
+                <p:cond evt="onNext" delay="0">
+                  <p:tgtEl>
+                    <p:sldTgt/>
+                  </p:tgtEl>
+                </p:cond>
+              </p:nextCondLst>
+            </p:seq>
+          </p:childTnLst>
+        </p:cTn>
       </p:par>
     </p:tnLst>
   </p:timing>
@@ -6532,6 +7291,25 @@
                 </a:solidFill>
               </a:defRPr>
             </a:pPr>
+            <a:endParaRPr lang="en-US" altLang="zh-CN" sz="1600" dirty="0" smtClean="0">
+              <a:solidFill>
+                <a:schemeClr val="tx1">
+                  <a:lumMod val="50000"/>
+                </a:schemeClr>
+              </a:solidFill>
+              <a:latin typeface="幼圆" pitchFamily="49" charset="-122"/>
+              <a:ea typeface="幼圆" pitchFamily="49" charset="-122"/>
+            </a:endParaRPr>
+          </a:p>
+          <a:p>
+            <a:pPr marL="85725" lvl="0" indent="0">
+              <a:buNone/>
+              <a:defRPr sz="1800">
+                <a:solidFill>
+                  <a:srgbClr val="000000"/>
+                </a:solidFill>
+              </a:defRPr>
+            </a:pPr>
             <a:r>
               <a:rPr lang="zh-CN" altLang="en-US" sz="1600" b="1" dirty="0" smtClean="0">
                 <a:solidFill>
@@ -6722,7 +7500,220 @@
   <p:timing>
     <p:tnLst>
       <p:par>
-        <p:cTn id="1" dur="indefinite" restart="never" nodeType="tmRoot"/>
+        <p:cTn id="1" dur="indefinite" restart="never" nodeType="tmRoot">
+          <p:childTnLst>
+            <p:seq concurrent="1" nextAc="seek">
+              <p:cTn id="2" dur="indefinite" nodeType="mainSeq">
+                <p:childTnLst>
+                  <p:par>
+                    <p:cTn id="3" fill="hold">
+                      <p:stCondLst>
+                        <p:cond delay="indefinite"/>
+                      </p:stCondLst>
+                      <p:childTnLst>
+                        <p:par>
+                          <p:cTn id="4" fill="hold">
+                            <p:stCondLst>
+                              <p:cond delay="0"/>
+                            </p:stCondLst>
+                            <p:childTnLst>
+                              <p:par>
+                                <p:cTn id="5" presetID="16" presetClass="entr" presetSubtype="21" fill="hold" nodeType="clickEffect">
+                                  <p:stCondLst>
+                                    <p:cond delay="0"/>
+                                  </p:stCondLst>
+                                  <p:childTnLst>
+                                    <p:set>
+                                      <p:cBhvr>
+                                        <p:cTn id="6" dur="1" fill="hold">
+                                          <p:stCondLst>
+                                            <p:cond delay="0"/>
+                                          </p:stCondLst>
+                                        </p:cTn>
+                                        <p:tgtEl>
+                                          <p:spTgt spid="3">
+                                            <p:txEl>
+                                              <p:pRg st="3" end="3"/>
+                                            </p:txEl>
+                                          </p:spTgt>
+                                        </p:tgtEl>
+                                        <p:attrNameLst>
+                                          <p:attrName>style.visibility</p:attrName>
+                                        </p:attrNameLst>
+                                      </p:cBhvr>
+                                      <p:to>
+                                        <p:strVal val="visible"/>
+                                      </p:to>
+                                    </p:set>
+                                    <p:animEffect transition="in" filter="barn(inVertical)">
+                                      <p:cBhvr>
+                                        <p:cTn id="7" dur="500"/>
+                                        <p:tgtEl>
+                                          <p:spTgt spid="3">
+                                            <p:txEl>
+                                              <p:pRg st="3" end="3"/>
+                                            </p:txEl>
+                                          </p:spTgt>
+                                        </p:tgtEl>
+                                      </p:cBhvr>
+                                    </p:animEffect>
+                                  </p:childTnLst>
+                                </p:cTn>
+                              </p:par>
+                              <p:par>
+                                <p:cTn id="8" presetID="16" presetClass="entr" presetSubtype="21" fill="hold" nodeType="withEffect">
+                                  <p:stCondLst>
+                                    <p:cond delay="0"/>
+                                  </p:stCondLst>
+                                  <p:childTnLst>
+                                    <p:set>
+                                      <p:cBhvr>
+                                        <p:cTn id="9" dur="1" fill="hold">
+                                          <p:stCondLst>
+                                            <p:cond delay="0"/>
+                                          </p:stCondLst>
+                                        </p:cTn>
+                                        <p:tgtEl>
+                                          <p:spTgt spid="3">
+                                            <p:txEl>
+                                              <p:pRg st="4" end="4"/>
+                                            </p:txEl>
+                                          </p:spTgt>
+                                        </p:tgtEl>
+                                        <p:attrNameLst>
+                                          <p:attrName>style.visibility</p:attrName>
+                                        </p:attrNameLst>
+                                      </p:cBhvr>
+                                      <p:to>
+                                        <p:strVal val="visible"/>
+                                      </p:to>
+                                    </p:set>
+                                    <p:animEffect transition="in" filter="barn(inVertical)">
+                                      <p:cBhvr>
+                                        <p:cTn id="10" dur="500"/>
+                                        <p:tgtEl>
+                                          <p:spTgt spid="3">
+                                            <p:txEl>
+                                              <p:pRg st="4" end="4"/>
+                                            </p:txEl>
+                                          </p:spTgt>
+                                        </p:tgtEl>
+                                      </p:cBhvr>
+                                    </p:animEffect>
+                                  </p:childTnLst>
+                                </p:cTn>
+                              </p:par>
+                              <p:par>
+                                <p:cTn id="11" presetID="16" presetClass="entr" presetSubtype="21" fill="hold" nodeType="withEffect">
+                                  <p:stCondLst>
+                                    <p:cond delay="0"/>
+                                  </p:stCondLst>
+                                  <p:childTnLst>
+                                    <p:set>
+                                      <p:cBhvr>
+                                        <p:cTn id="12" dur="1" fill="hold">
+                                          <p:stCondLst>
+                                            <p:cond delay="0"/>
+                                          </p:stCondLst>
+                                        </p:cTn>
+                                        <p:tgtEl>
+                                          <p:spTgt spid="3">
+                                            <p:txEl>
+                                              <p:pRg st="5" end="5"/>
+                                            </p:txEl>
+                                          </p:spTgt>
+                                        </p:tgtEl>
+                                        <p:attrNameLst>
+                                          <p:attrName>style.visibility</p:attrName>
+                                        </p:attrNameLst>
+                                      </p:cBhvr>
+                                      <p:to>
+                                        <p:strVal val="visible"/>
+                                      </p:to>
+                                    </p:set>
+                                    <p:animEffect transition="in" filter="barn(inVertical)">
+                                      <p:cBhvr>
+                                        <p:cTn id="13" dur="500"/>
+                                        <p:tgtEl>
+                                          <p:spTgt spid="3">
+                                            <p:txEl>
+                                              <p:pRg st="5" end="5"/>
+                                            </p:txEl>
+                                          </p:spTgt>
+                                        </p:tgtEl>
+                                      </p:cBhvr>
+                                    </p:animEffect>
+                                  </p:childTnLst>
+                                </p:cTn>
+                              </p:par>
+                              <p:par>
+                                <p:cTn id="14" presetID="16" presetClass="entr" presetSubtype="21" fill="hold" nodeType="withEffect">
+                                  <p:stCondLst>
+                                    <p:cond delay="0"/>
+                                  </p:stCondLst>
+                                  <p:childTnLst>
+                                    <p:set>
+                                      <p:cBhvr>
+                                        <p:cTn id="15" dur="1" fill="hold">
+                                          <p:stCondLst>
+                                            <p:cond delay="0"/>
+                                          </p:stCondLst>
+                                        </p:cTn>
+                                        <p:tgtEl>
+                                          <p:spTgt spid="3">
+                                            <p:txEl>
+                                              <p:pRg st="6" end="6"/>
+                                            </p:txEl>
+                                          </p:spTgt>
+                                        </p:tgtEl>
+                                        <p:attrNameLst>
+                                          <p:attrName>style.visibility</p:attrName>
+                                        </p:attrNameLst>
+                                      </p:cBhvr>
+                                      <p:to>
+                                        <p:strVal val="visible"/>
+                                      </p:to>
+                                    </p:set>
+                                    <p:animEffect transition="in" filter="barn(inVertical)">
+                                      <p:cBhvr>
+                                        <p:cTn id="16" dur="500"/>
+                                        <p:tgtEl>
+                                          <p:spTgt spid="3">
+                                            <p:txEl>
+                                              <p:pRg st="6" end="6"/>
+                                            </p:txEl>
+                                          </p:spTgt>
+                                        </p:tgtEl>
+                                      </p:cBhvr>
+                                    </p:animEffect>
+                                  </p:childTnLst>
+                                </p:cTn>
+                              </p:par>
+                            </p:childTnLst>
+                          </p:cTn>
+                        </p:par>
+                      </p:childTnLst>
+                    </p:cTn>
+                  </p:par>
+                </p:childTnLst>
+              </p:cTn>
+              <p:prevCondLst>
+                <p:cond evt="onPrev" delay="0">
+                  <p:tgtEl>
+                    <p:sldTgt/>
+                  </p:tgtEl>
+                </p:cond>
+              </p:prevCondLst>
+              <p:nextCondLst>
+                <p:cond evt="onNext" delay="0">
+                  <p:tgtEl>
+                    <p:sldTgt/>
+                  </p:tgtEl>
+                </p:cond>
+              </p:nextCondLst>
+            </p:seq>
+          </p:childTnLst>
+        </p:cTn>
       </p:par>
     </p:tnLst>
   </p:timing>
@@ -6815,7 +7806,7 @@
         </p:spPr>
         <p:txBody>
           <a:bodyPr>
-            <a:normAutofit lnSpcReduction="10000"/>
+            <a:normAutofit/>
           </a:bodyPr>
           <a:lstStyle/>
           <a:p>
@@ -6936,104 +7927,6 @@
                 <a:ea typeface="幼圆" pitchFamily="49" charset="-122"/>
               </a:rPr>
               <a:t>嵌套某的页面，骗取用户输入信息</a:t>
-            </a:r>
-            <a:endParaRPr lang="en-US" altLang="zh-CN" sz="1600" dirty="0" smtClean="0">
-              <a:solidFill>
-                <a:schemeClr val="tx1">
-                  <a:lumMod val="50000"/>
-                </a:schemeClr>
-              </a:solidFill>
-              <a:latin typeface="幼圆" pitchFamily="49" charset="-122"/>
-              <a:ea typeface="幼圆" pitchFamily="49" charset="-122"/>
-            </a:endParaRPr>
-          </a:p>
-          <a:p>
-            <a:pPr marL="85725" lvl="0" indent="0">
-              <a:buNone/>
-              <a:defRPr sz="1800">
-                <a:solidFill>
-                  <a:srgbClr val="000000"/>
-                </a:solidFill>
-              </a:defRPr>
-            </a:pPr>
-            <a:r>
-              <a:rPr lang="en-US" altLang="zh-CN" sz="1600" dirty="0" err="1" smtClean="0">
-                <a:solidFill>
-                  <a:schemeClr val="tx1">
-                    <a:lumMod val="50000"/>
-                  </a:schemeClr>
-                </a:solidFill>
-                <a:latin typeface="幼圆" pitchFamily="49" charset="-122"/>
-                <a:ea typeface="幼圆" pitchFamily="49" charset="-122"/>
-              </a:rPr>
-              <a:t>Json</a:t>
-            </a:r>
-            <a:r>
-              <a:rPr lang="zh-CN" altLang="en-US" sz="1600" dirty="0" smtClean="0">
-                <a:solidFill>
-                  <a:schemeClr val="tx1">
-                    <a:lumMod val="50000"/>
-                  </a:schemeClr>
-                </a:solidFill>
-                <a:latin typeface="幼圆" pitchFamily="49" charset="-122"/>
-                <a:ea typeface="幼圆" pitchFamily="49" charset="-122"/>
-              </a:rPr>
-              <a:t>劫持</a:t>
-            </a:r>
-            <a:endParaRPr lang="en-US" altLang="zh-CN" sz="1600" dirty="0" smtClean="0">
-              <a:solidFill>
-                <a:schemeClr val="tx1">
-                  <a:lumMod val="50000"/>
-                </a:schemeClr>
-              </a:solidFill>
-              <a:latin typeface="幼圆" pitchFamily="49" charset="-122"/>
-              <a:ea typeface="幼圆" pitchFamily="49" charset="-122"/>
-            </a:endParaRPr>
-          </a:p>
-          <a:p>
-            <a:pPr marL="85725" lvl="0" indent="0">
-              <a:buNone/>
-              <a:defRPr sz="1800">
-                <a:solidFill>
-                  <a:srgbClr val="000000"/>
-                </a:solidFill>
-              </a:defRPr>
-            </a:pPr>
-            <a:r>
-              <a:rPr lang="en-US" altLang="zh-CN" sz="1600" dirty="0">
-                <a:solidFill>
-                  <a:schemeClr val="tx1">
-                    <a:lumMod val="50000"/>
-                  </a:schemeClr>
-                </a:solidFill>
-                <a:latin typeface="幼圆" pitchFamily="49" charset="-122"/>
-                <a:ea typeface="幼圆" pitchFamily="49" charset="-122"/>
-              </a:rPr>
-              <a:t>	</a:t>
-            </a:r>
-            <a:r>
-              <a:rPr lang="zh-CN" altLang="en-US" sz="1600" dirty="0">
-                <a:solidFill>
-                  <a:schemeClr val="tx1">
-                    <a:lumMod val="50000"/>
-                  </a:schemeClr>
-                </a:solidFill>
-                <a:latin typeface="幼圆" pitchFamily="49" charset="-122"/>
-                <a:ea typeface="幼圆" pitchFamily="49" charset="-122"/>
-              </a:rPr>
-              <a:t>利用你所在网站的登录的</a:t>
-            </a:r>
-            <a:r>
-              <a:rPr lang="zh-CN" altLang="en-US" sz="1600" dirty="0" smtClean="0">
-                <a:solidFill>
-                  <a:schemeClr val="tx1">
-                    <a:lumMod val="50000"/>
-                  </a:schemeClr>
-                </a:solidFill>
-                <a:latin typeface="幼圆" pitchFamily="49" charset="-122"/>
-                <a:ea typeface="幼圆" pitchFamily="49" charset="-122"/>
-              </a:rPr>
-              <a:t>状态，悄悄拉取信息</a:t>
             </a:r>
             <a:endParaRPr lang="en-US" altLang="zh-CN" sz="1600" dirty="0" smtClean="0">
               <a:solidFill>
@@ -7369,18 +8262,88 @@
               </a:defRPr>
             </a:pPr>
             <a:r>
-              <a:rPr lang="zh-CN" altLang="en-US" sz="1600" b="1" dirty="0" smtClean="0">
-                <a:solidFill>
-                  <a:schemeClr val="tx1">
-                    <a:lumMod val="50000"/>
-                  </a:schemeClr>
-                </a:solidFill>
-                <a:latin typeface="幼圆" pitchFamily="49" charset="-122"/>
-                <a:ea typeface="幼圆" pitchFamily="49" charset="-122"/>
-              </a:rPr>
-              <a:t>概念：</a:t>
-            </a:r>
-            <a:endParaRPr lang="en-US" altLang="zh-CN" sz="1600" b="1" dirty="0" smtClean="0">
+              <a:rPr lang="en-US" altLang="zh-CN" sz="1600" dirty="0" smtClean="0">
+                <a:solidFill>
+                  <a:schemeClr val="tx1">
+                    <a:lumMod val="50000"/>
+                  </a:schemeClr>
+                </a:solidFill>
+                <a:latin typeface="幼圆" pitchFamily="49" charset="-122"/>
+                <a:ea typeface="幼圆" pitchFamily="49" charset="-122"/>
+              </a:rPr>
+              <a:t>1. </a:t>
+            </a:r>
+            <a:r>
+              <a:rPr lang="zh-CN" altLang="en-US" sz="1600" dirty="0" smtClean="0">
+                <a:solidFill>
+                  <a:schemeClr val="tx1">
+                    <a:lumMod val="50000"/>
+                  </a:schemeClr>
+                </a:solidFill>
+                <a:latin typeface="幼圆" pitchFamily="49" charset="-122"/>
+                <a:ea typeface="幼圆" pitchFamily="49" charset="-122"/>
+              </a:rPr>
+              <a:t>回调的</a:t>
+            </a:r>
+            <a:r>
+              <a:rPr lang="en-US" altLang="zh-CN" sz="1600" dirty="0" smtClean="0">
+                <a:solidFill>
+                  <a:schemeClr val="tx1">
+                    <a:lumMod val="50000"/>
+                  </a:schemeClr>
+                </a:solidFill>
+                <a:latin typeface="幼圆" pitchFamily="49" charset="-122"/>
+                <a:ea typeface="幼圆" pitchFamily="49" charset="-122"/>
+              </a:rPr>
+              <a:t>URL</a:t>
+            </a:r>
+          </a:p>
+          <a:p>
+            <a:pPr marL="85725" lvl="0" indent="0">
+              <a:buNone/>
+              <a:defRPr sz="1800">
+                <a:solidFill>
+                  <a:srgbClr val="000000"/>
+                </a:solidFill>
+              </a:defRPr>
+            </a:pPr>
+            <a:r>
+              <a:rPr lang="en-US" altLang="zh-CN" sz="1600" dirty="0" smtClean="0">
+                <a:solidFill>
+                  <a:schemeClr val="tx1">
+                    <a:lumMod val="50000"/>
+                  </a:schemeClr>
+                </a:solidFill>
+                <a:latin typeface="幼圆" pitchFamily="49" charset="-122"/>
+                <a:ea typeface="幼圆" pitchFamily="49" charset="-122"/>
+              </a:rPr>
+              <a:t>redirect-</a:t>
+            </a:r>
+            <a:r>
+              <a:rPr lang="en-US" altLang="zh-CN" sz="1600" dirty="0" err="1" smtClean="0">
+                <a:solidFill>
+                  <a:schemeClr val="tx1">
+                    <a:lumMod val="50000"/>
+                  </a:schemeClr>
+                </a:solidFill>
+                <a:latin typeface="幼圆" pitchFamily="49" charset="-122"/>
+                <a:ea typeface="幼圆" pitchFamily="49" charset="-122"/>
+              </a:rPr>
+              <a:t>url</a:t>
+            </a:r>
+            <a:r>
+              <a:rPr lang="en-US" altLang="zh-CN" sz="1600" dirty="0" smtClean="0">
+                <a:solidFill>
+                  <a:schemeClr val="tx1">
+                    <a:lumMod val="50000"/>
+                  </a:schemeClr>
+                </a:solidFill>
+                <a:latin typeface="幼圆" pitchFamily="49" charset="-122"/>
+                <a:ea typeface="幼圆" pitchFamily="49" charset="-122"/>
+              </a:rPr>
+              <a:t>  </a:t>
+            </a:r>
+            <a:endParaRPr lang="en-US" altLang="zh-CN" sz="1600" dirty="0" smtClean="0">
               <a:solidFill>
                 <a:schemeClr val="tx1">
                   <a:lumMod val="50000"/>
@@ -7400,6 +8363,18 @@
               </a:defRPr>
             </a:pPr>
             <a:r>
+              <a:rPr lang="zh-CN" altLang="en-US" sz="1600" dirty="0" smtClean="0">
+                <a:solidFill>
+                  <a:schemeClr val="tx1">
+                    <a:lumMod val="50000"/>
+                  </a:schemeClr>
+                </a:solidFill>
+                <a:latin typeface="幼圆" pitchFamily="49" charset="-122"/>
+                <a:ea typeface="幼圆" pitchFamily="49" charset="-122"/>
+              </a:rPr>
+              <a:t>授权通过后的需要重定向的</a:t>
+            </a:r>
+            <a:r>
               <a:rPr lang="en-US" altLang="zh-CN" sz="1600" dirty="0" smtClean="0">
                 <a:solidFill>
                   <a:schemeClr val="tx1">
@@ -7409,19 +8384,19 @@
                 <a:latin typeface="幼圆" pitchFamily="49" charset="-122"/>
                 <a:ea typeface="幼圆" pitchFamily="49" charset="-122"/>
               </a:rPr>
-              <a:t>redirect-</a:t>
-            </a:r>
-            <a:r>
-              <a:rPr lang="en-US" altLang="zh-CN" sz="1600" dirty="0" err="1" smtClean="0">
-                <a:solidFill>
-                  <a:schemeClr val="tx1">
-                    <a:lumMod val="50000"/>
-                  </a:schemeClr>
-                </a:solidFill>
-                <a:latin typeface="幼圆" pitchFamily="49" charset="-122"/>
-                <a:ea typeface="幼圆" pitchFamily="49" charset="-122"/>
-              </a:rPr>
-              <a:t>url</a:t>
+              <a:t>URL</a:t>
+            </a:r>
+            <a:r>
+              <a:rPr lang="zh-CN" altLang="en-US" sz="1600" dirty="0" smtClean="0">
+                <a:solidFill>
+                  <a:schemeClr val="tx1">
+                    <a:lumMod val="50000"/>
+                  </a:schemeClr>
+                </a:solidFill>
+                <a:latin typeface="幼圆" pitchFamily="49" charset="-122"/>
+                <a:ea typeface="幼圆" pitchFamily="49" charset="-122"/>
+              </a:rPr>
+              <a:t>，被串改了</a:t>
             </a:r>
             <a:r>
               <a:rPr lang="en-US" altLang="zh-CN" sz="1600" dirty="0" smtClean="0">
@@ -7433,7 +8408,7 @@
                 <a:latin typeface="幼圆" pitchFamily="49" charset="-122"/>
                 <a:ea typeface="幼圆" pitchFamily="49" charset="-122"/>
               </a:rPr>
-              <a:t>  </a:t>
+              <a:t> </a:t>
             </a:r>
           </a:p>
           <a:p>
@@ -7445,54 +8420,15 @@
                 </a:solidFill>
               </a:defRPr>
             </a:pPr>
-            <a:r>
-              <a:rPr lang="zh-CN" altLang="en-US" sz="1600" dirty="0" smtClean="0">
-                <a:solidFill>
-                  <a:schemeClr val="tx1">
-                    <a:lumMod val="50000"/>
-                  </a:schemeClr>
-                </a:solidFill>
-                <a:latin typeface="幼圆" pitchFamily="49" charset="-122"/>
-                <a:ea typeface="幼圆" pitchFamily="49" charset="-122"/>
-              </a:rPr>
-              <a:t>授权通过后的需要重定向的</a:t>
-            </a:r>
-            <a:r>
-              <a:rPr lang="en-US" altLang="zh-CN" sz="1600" dirty="0" smtClean="0">
-                <a:solidFill>
-                  <a:schemeClr val="tx1">
-                    <a:lumMod val="50000"/>
-                  </a:schemeClr>
-                </a:solidFill>
-                <a:latin typeface="幼圆" pitchFamily="49" charset="-122"/>
-                <a:ea typeface="幼圆" pitchFamily="49" charset="-122"/>
-              </a:rPr>
-              <a:t>URL</a:t>
-            </a:r>
-            <a:r>
-              <a:rPr lang="zh-CN" altLang="en-US" sz="1600" dirty="0" smtClean="0">
-                <a:solidFill>
-                  <a:schemeClr val="tx1">
-                    <a:lumMod val="50000"/>
-                  </a:schemeClr>
-                </a:solidFill>
-                <a:latin typeface="幼圆" pitchFamily="49" charset="-122"/>
-                <a:ea typeface="幼圆" pitchFamily="49" charset="-122"/>
-              </a:rPr>
-              <a:t>，被串改了</a:t>
-            </a:r>
-            <a:r>
-              <a:rPr lang="en-US" altLang="zh-CN" sz="1600" dirty="0" smtClean="0">
-                <a:solidFill>
-                  <a:schemeClr val="tx1">
-                    <a:lumMod val="50000"/>
-                  </a:schemeClr>
-                </a:solidFill>
-                <a:latin typeface="幼圆" pitchFamily="49" charset="-122"/>
-                <a:ea typeface="幼圆" pitchFamily="49" charset="-122"/>
-              </a:rPr>
-              <a:t> </a:t>
-            </a:r>
+            <a:endParaRPr lang="en-US" altLang="zh-CN" sz="1600" dirty="0" smtClean="0">
+              <a:solidFill>
+                <a:schemeClr val="tx1">
+                  <a:lumMod val="50000"/>
+                </a:schemeClr>
+              </a:solidFill>
+              <a:latin typeface="幼圆" pitchFamily="49" charset="-122"/>
+              <a:ea typeface="幼圆" pitchFamily="49" charset="-122"/>
+            </a:endParaRPr>
           </a:p>
           <a:p>
             <a:pPr marL="85725" lvl="0" indent="0">
@@ -7503,6 +8439,18 @@
                 </a:solidFill>
               </a:defRPr>
             </a:pPr>
+            <a:r>
+              <a:rPr lang="en-US" altLang="zh-CN" sz="1600" dirty="0" smtClean="0">
+                <a:solidFill>
+                  <a:schemeClr val="tx1">
+                    <a:lumMod val="50000"/>
+                  </a:schemeClr>
+                </a:solidFill>
+                <a:latin typeface="幼圆" pitchFamily="49" charset="-122"/>
+                <a:ea typeface="幼圆" pitchFamily="49" charset="-122"/>
+              </a:rPr>
+              <a:t>2. </a:t>
+            </a:r>
             <a:endParaRPr lang="en-US" altLang="zh-CN" sz="1600" dirty="0" smtClean="0">
               <a:solidFill>
                 <a:schemeClr val="tx1">
@@ -7975,7 +8923,7 @@
   <a:extraClrSchemeLst/>
   <a:extLst>
     <a:ext uri="{05A4C25C-085E-4340-85A3-A5531E510DB2}">
-      <thm15:themeFamily xmlns:thm15="http://schemas.microsoft.com/office/thememl/2012/main" xmlns="" name="Office Theme" id="{62F939B6-93AF-4DB8-9C6B-D6C7DFDC589F}" vid="{4A3C46E8-61CC-4603-A589-7422A47A8E4A}"/>
+      <thm15:themeFamily xmlns="" xmlns:thm15="http://schemas.microsoft.com/office/thememl/2012/main" name="Office Theme" id="{62F939B6-93AF-4DB8-9C6B-D6C7DFDC589F}" vid="{4A3C46E8-61CC-4603-A589-7422A47A8E4A}"/>
     </a:ext>
   </a:extLst>
 </a:theme>
